--- a/DSE 6200 Final Presentation.pptx
+++ b/DSE 6200 Final Presentation.pptx
@@ -5,11 +5,17 @@
     <p:sldMasterId id="2147483660" r:id="rId1"/>
   </p:sldMasterIdLst>
   <p:notesMasterIdLst>
-    <p:notesMasterId r:id="rId4"/>
+    <p:notesMasterId r:id="rId10"/>
   </p:notesMasterIdLst>
   <p:sldIdLst>
     <p:sldId id="285" r:id="rId2"/>
-    <p:sldId id="284" r:id="rId3"/>
+    <p:sldId id="286" r:id="rId3"/>
+    <p:sldId id="287" r:id="rId4"/>
+    <p:sldId id="288" r:id="rId5"/>
+    <p:sldId id="291" r:id="rId6"/>
+    <p:sldId id="289" r:id="rId7"/>
+    <p:sldId id="290" r:id="rId8"/>
+    <p:sldId id="292" r:id="rId9"/>
   </p:sldIdLst>
   <p:sldSz cx="12192000" cy="6858000"/>
   <p:notesSz cx="6858000" cy="9144000"/>
@@ -198,7 +204,7 @@
           <a:p>
             <a:fld id="{82E8C686-A992-0F43-84D8-8046B3AFAE27}" type="datetimeFigureOut">
               <a:rPr lang="en-US" smtClean="0"/>
-              <a:t>4/16/22</a:t>
+              <a:t>4/19/22</a:t>
             </a:fld>
             <a:endParaRPr lang="en-US"/>
           </a:p>
@@ -539,7 +545,511 @@
     </p:spTree>
     <p:extLst>
       <p:ext uri="{BB962C8B-B14F-4D97-AF65-F5344CB8AC3E}">
-        <p14:creationId xmlns:p14="http://schemas.microsoft.com/office/powerpoint/2010/main" val="1561862941"/>
+        <p14:creationId xmlns:p14="http://schemas.microsoft.com/office/powerpoint/2010/main" val="2100913360"/>
+      </p:ext>
+    </p:extLst>
+  </p:cSld>
+  <p:clrMapOvr>
+    <a:masterClrMapping/>
+  </p:clrMapOvr>
+</p:notes>
+</file>
+
+<file path=ppt/notesSlides/notesSlide2.xml><?xml version="1.0" encoding="utf-8"?>
+<p:notes xmlns:a="http://schemas.openxmlformats.org/drawingml/2006/main" xmlns:r="http://schemas.openxmlformats.org/officeDocument/2006/relationships" xmlns:p="http://schemas.openxmlformats.org/presentationml/2006/main">
+  <p:cSld>
+    <p:spTree>
+      <p:nvGrpSpPr>
+        <p:cNvPr id="1" name=""/>
+        <p:cNvGrpSpPr/>
+        <p:nvPr/>
+      </p:nvGrpSpPr>
+      <p:grpSpPr>
+        <a:xfrm>
+          <a:off x="0" y="0"/>
+          <a:ext cx="0" cy="0"/>
+          <a:chOff x="0" y="0"/>
+          <a:chExt cx="0" cy="0"/>
+        </a:xfrm>
+      </p:grpSpPr>
+      <p:sp>
+        <p:nvSpPr>
+          <p:cNvPr id="2" name="Slide Image Placeholder 1"/>
+          <p:cNvSpPr>
+            <a:spLocks noGrp="1" noRot="1" noChangeAspect="1"/>
+          </p:cNvSpPr>
+          <p:nvPr>
+            <p:ph type="sldImg"/>
+          </p:nvPr>
+        </p:nvSpPr>
+        <p:spPr/>
+      </p:sp>
+      <p:sp>
+        <p:nvSpPr>
+          <p:cNvPr id="3" name="Notes Placeholder 2"/>
+          <p:cNvSpPr>
+            <a:spLocks noGrp="1"/>
+          </p:cNvSpPr>
+          <p:nvPr>
+            <p:ph type="body" idx="1"/>
+          </p:nvPr>
+        </p:nvSpPr>
+        <p:spPr/>
+        <p:txBody>
+          <a:bodyPr/>
+          <a:lstStyle/>
+          <a:p>
+            <a:endParaRPr lang="en-US" dirty="0"/>
+          </a:p>
+        </p:txBody>
+      </p:sp>
+      <p:sp>
+        <p:nvSpPr>
+          <p:cNvPr id="4" name="Slide Number Placeholder 3"/>
+          <p:cNvSpPr>
+            <a:spLocks noGrp="1"/>
+          </p:cNvSpPr>
+          <p:nvPr>
+            <p:ph type="sldNum" sz="quarter" idx="5"/>
+          </p:nvPr>
+        </p:nvSpPr>
+        <p:spPr/>
+        <p:txBody>
+          <a:bodyPr/>
+          <a:lstStyle/>
+          <a:p>
+            <a:fld id="{FC5EE6DE-26E8-A749-968B-87BB91105F96}" type="slidenum">
+              <a:rPr lang="en-US" smtClean="0"/>
+              <a:t>3</a:t>
+            </a:fld>
+            <a:endParaRPr lang="en-US"/>
+          </a:p>
+        </p:txBody>
+      </p:sp>
+    </p:spTree>
+    <p:extLst>
+      <p:ext uri="{BB962C8B-B14F-4D97-AF65-F5344CB8AC3E}">
+        <p14:creationId xmlns:p14="http://schemas.microsoft.com/office/powerpoint/2010/main" val="2095615928"/>
+      </p:ext>
+    </p:extLst>
+  </p:cSld>
+  <p:clrMapOvr>
+    <a:masterClrMapping/>
+  </p:clrMapOvr>
+</p:notes>
+</file>
+
+<file path=ppt/notesSlides/notesSlide3.xml><?xml version="1.0" encoding="utf-8"?>
+<p:notes xmlns:a="http://schemas.openxmlformats.org/drawingml/2006/main" xmlns:r="http://schemas.openxmlformats.org/officeDocument/2006/relationships" xmlns:p="http://schemas.openxmlformats.org/presentationml/2006/main">
+  <p:cSld>
+    <p:spTree>
+      <p:nvGrpSpPr>
+        <p:cNvPr id="1" name=""/>
+        <p:cNvGrpSpPr/>
+        <p:nvPr/>
+      </p:nvGrpSpPr>
+      <p:grpSpPr>
+        <a:xfrm>
+          <a:off x="0" y="0"/>
+          <a:ext cx="0" cy="0"/>
+          <a:chOff x="0" y="0"/>
+          <a:chExt cx="0" cy="0"/>
+        </a:xfrm>
+      </p:grpSpPr>
+      <p:sp>
+        <p:nvSpPr>
+          <p:cNvPr id="2" name="Slide Image Placeholder 1"/>
+          <p:cNvSpPr>
+            <a:spLocks noGrp="1" noRot="1" noChangeAspect="1"/>
+          </p:cNvSpPr>
+          <p:nvPr>
+            <p:ph type="sldImg"/>
+          </p:nvPr>
+        </p:nvSpPr>
+        <p:spPr/>
+      </p:sp>
+      <p:sp>
+        <p:nvSpPr>
+          <p:cNvPr id="3" name="Notes Placeholder 2"/>
+          <p:cNvSpPr>
+            <a:spLocks noGrp="1"/>
+          </p:cNvSpPr>
+          <p:nvPr>
+            <p:ph type="body" idx="1"/>
+          </p:nvPr>
+        </p:nvSpPr>
+        <p:spPr/>
+        <p:txBody>
+          <a:bodyPr/>
+          <a:lstStyle/>
+          <a:p>
+            <a:endParaRPr lang="en-US" dirty="0"/>
+          </a:p>
+        </p:txBody>
+      </p:sp>
+      <p:sp>
+        <p:nvSpPr>
+          <p:cNvPr id="4" name="Slide Number Placeholder 3"/>
+          <p:cNvSpPr>
+            <a:spLocks noGrp="1"/>
+          </p:cNvSpPr>
+          <p:nvPr>
+            <p:ph type="sldNum" sz="quarter" idx="5"/>
+          </p:nvPr>
+        </p:nvSpPr>
+        <p:spPr/>
+        <p:txBody>
+          <a:bodyPr/>
+          <a:lstStyle/>
+          <a:p>
+            <a:fld id="{FC5EE6DE-26E8-A749-968B-87BB91105F96}" type="slidenum">
+              <a:rPr lang="en-US" smtClean="0"/>
+              <a:t>4</a:t>
+            </a:fld>
+            <a:endParaRPr lang="en-US"/>
+          </a:p>
+        </p:txBody>
+      </p:sp>
+    </p:spTree>
+    <p:extLst>
+      <p:ext uri="{BB962C8B-B14F-4D97-AF65-F5344CB8AC3E}">
+        <p14:creationId xmlns:p14="http://schemas.microsoft.com/office/powerpoint/2010/main" val="1199583397"/>
+      </p:ext>
+    </p:extLst>
+  </p:cSld>
+  <p:clrMapOvr>
+    <a:masterClrMapping/>
+  </p:clrMapOvr>
+</p:notes>
+</file>
+
+<file path=ppt/notesSlides/notesSlide4.xml><?xml version="1.0" encoding="utf-8"?>
+<p:notes xmlns:a="http://schemas.openxmlformats.org/drawingml/2006/main" xmlns:r="http://schemas.openxmlformats.org/officeDocument/2006/relationships" xmlns:p="http://schemas.openxmlformats.org/presentationml/2006/main">
+  <p:cSld>
+    <p:spTree>
+      <p:nvGrpSpPr>
+        <p:cNvPr id="1" name=""/>
+        <p:cNvGrpSpPr/>
+        <p:nvPr/>
+      </p:nvGrpSpPr>
+      <p:grpSpPr>
+        <a:xfrm>
+          <a:off x="0" y="0"/>
+          <a:ext cx="0" cy="0"/>
+          <a:chOff x="0" y="0"/>
+          <a:chExt cx="0" cy="0"/>
+        </a:xfrm>
+      </p:grpSpPr>
+      <p:sp>
+        <p:nvSpPr>
+          <p:cNvPr id="2" name="Slide Image Placeholder 1"/>
+          <p:cNvSpPr>
+            <a:spLocks noGrp="1" noRot="1" noChangeAspect="1"/>
+          </p:cNvSpPr>
+          <p:nvPr>
+            <p:ph type="sldImg"/>
+          </p:nvPr>
+        </p:nvSpPr>
+        <p:spPr/>
+      </p:sp>
+      <p:sp>
+        <p:nvSpPr>
+          <p:cNvPr id="3" name="Notes Placeholder 2"/>
+          <p:cNvSpPr>
+            <a:spLocks noGrp="1"/>
+          </p:cNvSpPr>
+          <p:nvPr>
+            <p:ph type="body" idx="1"/>
+          </p:nvPr>
+        </p:nvSpPr>
+        <p:spPr/>
+        <p:txBody>
+          <a:bodyPr/>
+          <a:lstStyle/>
+          <a:p>
+            <a:endParaRPr lang="en-US" dirty="0"/>
+          </a:p>
+        </p:txBody>
+      </p:sp>
+      <p:sp>
+        <p:nvSpPr>
+          <p:cNvPr id="4" name="Slide Number Placeholder 3"/>
+          <p:cNvSpPr>
+            <a:spLocks noGrp="1"/>
+          </p:cNvSpPr>
+          <p:nvPr>
+            <p:ph type="sldNum" sz="quarter" idx="5"/>
+          </p:nvPr>
+        </p:nvSpPr>
+        <p:spPr/>
+        <p:txBody>
+          <a:bodyPr/>
+          <a:lstStyle/>
+          <a:p>
+            <a:fld id="{FC5EE6DE-26E8-A749-968B-87BB91105F96}" type="slidenum">
+              <a:rPr lang="en-US" smtClean="0"/>
+              <a:t>5</a:t>
+            </a:fld>
+            <a:endParaRPr lang="en-US"/>
+          </a:p>
+        </p:txBody>
+      </p:sp>
+    </p:spTree>
+    <p:extLst>
+      <p:ext uri="{BB962C8B-B14F-4D97-AF65-F5344CB8AC3E}">
+        <p14:creationId xmlns:p14="http://schemas.microsoft.com/office/powerpoint/2010/main" val="1470612180"/>
+      </p:ext>
+    </p:extLst>
+  </p:cSld>
+  <p:clrMapOvr>
+    <a:masterClrMapping/>
+  </p:clrMapOvr>
+</p:notes>
+</file>
+
+<file path=ppt/notesSlides/notesSlide5.xml><?xml version="1.0" encoding="utf-8"?>
+<p:notes xmlns:a="http://schemas.openxmlformats.org/drawingml/2006/main" xmlns:r="http://schemas.openxmlformats.org/officeDocument/2006/relationships" xmlns:p="http://schemas.openxmlformats.org/presentationml/2006/main">
+  <p:cSld>
+    <p:spTree>
+      <p:nvGrpSpPr>
+        <p:cNvPr id="1" name=""/>
+        <p:cNvGrpSpPr/>
+        <p:nvPr/>
+      </p:nvGrpSpPr>
+      <p:grpSpPr>
+        <a:xfrm>
+          <a:off x="0" y="0"/>
+          <a:ext cx="0" cy="0"/>
+          <a:chOff x="0" y="0"/>
+          <a:chExt cx="0" cy="0"/>
+        </a:xfrm>
+      </p:grpSpPr>
+      <p:sp>
+        <p:nvSpPr>
+          <p:cNvPr id="2" name="Slide Image Placeholder 1"/>
+          <p:cNvSpPr>
+            <a:spLocks noGrp="1" noRot="1" noChangeAspect="1"/>
+          </p:cNvSpPr>
+          <p:nvPr>
+            <p:ph type="sldImg"/>
+          </p:nvPr>
+        </p:nvSpPr>
+        <p:spPr/>
+      </p:sp>
+      <p:sp>
+        <p:nvSpPr>
+          <p:cNvPr id="3" name="Notes Placeholder 2"/>
+          <p:cNvSpPr>
+            <a:spLocks noGrp="1"/>
+          </p:cNvSpPr>
+          <p:nvPr>
+            <p:ph type="body" idx="1"/>
+          </p:nvPr>
+        </p:nvSpPr>
+        <p:spPr/>
+        <p:txBody>
+          <a:bodyPr/>
+          <a:lstStyle/>
+          <a:p>
+            <a:endParaRPr lang="en-US" dirty="0"/>
+          </a:p>
+        </p:txBody>
+      </p:sp>
+      <p:sp>
+        <p:nvSpPr>
+          <p:cNvPr id="4" name="Slide Number Placeholder 3"/>
+          <p:cNvSpPr>
+            <a:spLocks noGrp="1"/>
+          </p:cNvSpPr>
+          <p:nvPr>
+            <p:ph type="sldNum" sz="quarter" idx="5"/>
+          </p:nvPr>
+        </p:nvSpPr>
+        <p:spPr/>
+        <p:txBody>
+          <a:bodyPr/>
+          <a:lstStyle/>
+          <a:p>
+            <a:fld id="{FC5EE6DE-26E8-A749-968B-87BB91105F96}" type="slidenum">
+              <a:rPr lang="en-US" smtClean="0"/>
+              <a:t>6</a:t>
+            </a:fld>
+            <a:endParaRPr lang="en-US"/>
+          </a:p>
+        </p:txBody>
+      </p:sp>
+    </p:spTree>
+    <p:extLst>
+      <p:ext uri="{BB962C8B-B14F-4D97-AF65-F5344CB8AC3E}">
+        <p14:creationId xmlns:p14="http://schemas.microsoft.com/office/powerpoint/2010/main" val="1881850591"/>
+      </p:ext>
+    </p:extLst>
+  </p:cSld>
+  <p:clrMapOvr>
+    <a:masterClrMapping/>
+  </p:clrMapOvr>
+</p:notes>
+</file>
+
+<file path=ppt/notesSlides/notesSlide6.xml><?xml version="1.0" encoding="utf-8"?>
+<p:notes xmlns:a="http://schemas.openxmlformats.org/drawingml/2006/main" xmlns:r="http://schemas.openxmlformats.org/officeDocument/2006/relationships" xmlns:p="http://schemas.openxmlformats.org/presentationml/2006/main">
+  <p:cSld>
+    <p:spTree>
+      <p:nvGrpSpPr>
+        <p:cNvPr id="1" name=""/>
+        <p:cNvGrpSpPr/>
+        <p:nvPr/>
+      </p:nvGrpSpPr>
+      <p:grpSpPr>
+        <a:xfrm>
+          <a:off x="0" y="0"/>
+          <a:ext cx="0" cy="0"/>
+          <a:chOff x="0" y="0"/>
+          <a:chExt cx="0" cy="0"/>
+        </a:xfrm>
+      </p:grpSpPr>
+      <p:sp>
+        <p:nvSpPr>
+          <p:cNvPr id="2" name="Slide Image Placeholder 1"/>
+          <p:cNvSpPr>
+            <a:spLocks noGrp="1" noRot="1" noChangeAspect="1"/>
+          </p:cNvSpPr>
+          <p:nvPr>
+            <p:ph type="sldImg"/>
+          </p:nvPr>
+        </p:nvSpPr>
+        <p:spPr/>
+      </p:sp>
+      <p:sp>
+        <p:nvSpPr>
+          <p:cNvPr id="3" name="Notes Placeholder 2"/>
+          <p:cNvSpPr>
+            <a:spLocks noGrp="1"/>
+          </p:cNvSpPr>
+          <p:nvPr>
+            <p:ph type="body" idx="1"/>
+          </p:nvPr>
+        </p:nvSpPr>
+        <p:spPr/>
+        <p:txBody>
+          <a:bodyPr/>
+          <a:lstStyle/>
+          <a:p>
+            <a:endParaRPr lang="en-US" dirty="0"/>
+          </a:p>
+        </p:txBody>
+      </p:sp>
+      <p:sp>
+        <p:nvSpPr>
+          <p:cNvPr id="4" name="Slide Number Placeholder 3"/>
+          <p:cNvSpPr>
+            <a:spLocks noGrp="1"/>
+          </p:cNvSpPr>
+          <p:nvPr>
+            <p:ph type="sldNum" sz="quarter" idx="5"/>
+          </p:nvPr>
+        </p:nvSpPr>
+        <p:spPr/>
+        <p:txBody>
+          <a:bodyPr/>
+          <a:lstStyle/>
+          <a:p>
+            <a:fld id="{FC5EE6DE-26E8-A749-968B-87BB91105F96}" type="slidenum">
+              <a:rPr lang="en-US" smtClean="0"/>
+              <a:t>7</a:t>
+            </a:fld>
+            <a:endParaRPr lang="en-US"/>
+          </a:p>
+        </p:txBody>
+      </p:sp>
+    </p:spTree>
+    <p:extLst>
+      <p:ext uri="{BB962C8B-B14F-4D97-AF65-F5344CB8AC3E}">
+        <p14:creationId xmlns:p14="http://schemas.microsoft.com/office/powerpoint/2010/main" val="2799924145"/>
+      </p:ext>
+    </p:extLst>
+  </p:cSld>
+  <p:clrMapOvr>
+    <a:masterClrMapping/>
+  </p:clrMapOvr>
+</p:notes>
+</file>
+
+<file path=ppt/notesSlides/notesSlide7.xml><?xml version="1.0" encoding="utf-8"?>
+<p:notes xmlns:a="http://schemas.openxmlformats.org/drawingml/2006/main" xmlns:r="http://schemas.openxmlformats.org/officeDocument/2006/relationships" xmlns:p="http://schemas.openxmlformats.org/presentationml/2006/main">
+  <p:cSld>
+    <p:spTree>
+      <p:nvGrpSpPr>
+        <p:cNvPr id="1" name=""/>
+        <p:cNvGrpSpPr/>
+        <p:nvPr/>
+      </p:nvGrpSpPr>
+      <p:grpSpPr>
+        <a:xfrm>
+          <a:off x="0" y="0"/>
+          <a:ext cx="0" cy="0"/>
+          <a:chOff x="0" y="0"/>
+          <a:chExt cx="0" cy="0"/>
+        </a:xfrm>
+      </p:grpSpPr>
+      <p:sp>
+        <p:nvSpPr>
+          <p:cNvPr id="2" name="Slide Image Placeholder 1"/>
+          <p:cNvSpPr>
+            <a:spLocks noGrp="1" noRot="1" noChangeAspect="1"/>
+          </p:cNvSpPr>
+          <p:nvPr>
+            <p:ph type="sldImg"/>
+          </p:nvPr>
+        </p:nvSpPr>
+        <p:spPr/>
+      </p:sp>
+      <p:sp>
+        <p:nvSpPr>
+          <p:cNvPr id="3" name="Notes Placeholder 2"/>
+          <p:cNvSpPr>
+            <a:spLocks noGrp="1"/>
+          </p:cNvSpPr>
+          <p:nvPr>
+            <p:ph type="body" idx="1"/>
+          </p:nvPr>
+        </p:nvSpPr>
+        <p:spPr/>
+        <p:txBody>
+          <a:bodyPr/>
+          <a:lstStyle/>
+          <a:p>
+            <a:endParaRPr lang="en-US" dirty="0"/>
+          </a:p>
+        </p:txBody>
+      </p:sp>
+      <p:sp>
+        <p:nvSpPr>
+          <p:cNvPr id="4" name="Slide Number Placeholder 3"/>
+          <p:cNvSpPr>
+            <a:spLocks noGrp="1"/>
+          </p:cNvSpPr>
+          <p:nvPr>
+            <p:ph type="sldNum" sz="quarter" idx="5"/>
+          </p:nvPr>
+        </p:nvSpPr>
+        <p:spPr/>
+        <p:txBody>
+          <a:bodyPr/>
+          <a:lstStyle/>
+          <a:p>
+            <a:fld id="{FC5EE6DE-26E8-A749-968B-87BB91105F96}" type="slidenum">
+              <a:rPr lang="en-US" smtClean="0"/>
+              <a:t>8</a:t>
+            </a:fld>
+            <a:endParaRPr lang="en-US"/>
+          </a:p>
+        </p:txBody>
+      </p:sp>
+    </p:spTree>
+    <p:extLst>
+      <p:ext uri="{BB962C8B-B14F-4D97-AF65-F5344CB8AC3E}">
+        <p14:creationId xmlns:p14="http://schemas.microsoft.com/office/powerpoint/2010/main" val="1665688319"/>
       </p:ext>
     </p:extLst>
   </p:cSld>
@@ -745,7 +1255,7 @@
           <a:p>
             <a:fld id="{5DF8562A-DB90-47B1-BD93-6F7A02E5E0B0}" type="datetimeFigureOut">
               <a:rPr lang="en-US" smtClean="0"/>
-              <a:t>4/16/22</a:t>
+              <a:t>4/19/22</a:t>
             </a:fld>
             <a:endParaRPr lang="en-US"/>
           </a:p>
@@ -1026,7 +1536,7 @@
           <a:p>
             <a:fld id="{5DF8562A-DB90-47B1-BD93-6F7A02E5E0B0}" type="datetimeFigureOut">
               <a:rPr lang="en-US" smtClean="0"/>
-              <a:t>4/16/22</a:t>
+              <a:t>4/19/22</a:t>
             </a:fld>
             <a:endParaRPr lang="en-US"/>
           </a:p>
@@ -1218,7 +1728,7 @@
           <a:p>
             <a:fld id="{5DF8562A-DB90-47B1-BD93-6F7A02E5E0B0}" type="datetimeFigureOut">
               <a:rPr lang="en-US" smtClean="0"/>
-              <a:t>4/16/22</a:t>
+              <a:t>4/19/22</a:t>
             </a:fld>
             <a:endParaRPr lang="en-US"/>
           </a:p>
@@ -1479,7 +1989,7 @@
           <a:p>
             <a:fld id="{5DF8562A-DB90-47B1-BD93-6F7A02E5E0B0}" type="datetimeFigureOut">
               <a:rPr lang="en-US" smtClean="0"/>
-              <a:t>4/16/22</a:t>
+              <a:t>4/19/22</a:t>
             </a:fld>
             <a:endParaRPr lang="en-US"/>
           </a:p>
@@ -1905,7 +2415,7 @@
           <a:p>
             <a:fld id="{5DF8562A-DB90-47B1-BD93-6F7A02E5E0B0}" type="datetimeFigureOut">
               <a:rPr lang="en-US" smtClean="0"/>
-              <a:t>4/16/22</a:t>
+              <a:t>4/19/22</a:t>
             </a:fld>
             <a:endParaRPr lang="en-US"/>
           </a:p>
@@ -2451,7 +2961,7 @@
           <a:p>
             <a:fld id="{5DF8562A-DB90-47B1-BD93-6F7A02E5E0B0}" type="datetimeFigureOut">
               <a:rPr lang="en-US" smtClean="0"/>
-              <a:t>4/16/22</a:t>
+              <a:t>4/19/22</a:t>
             </a:fld>
             <a:endParaRPr lang="en-US"/>
           </a:p>
@@ -3282,7 +3792,7 @@
           <a:p>
             <a:fld id="{5DF8562A-DB90-47B1-BD93-6F7A02E5E0B0}" type="datetimeFigureOut">
               <a:rPr lang="en-US" smtClean="0"/>
-              <a:t>4/16/22</a:t>
+              <a:t>4/19/22</a:t>
             </a:fld>
             <a:endParaRPr lang="en-US"/>
           </a:p>
@@ -3452,7 +3962,7 @@
           <a:p>
             <a:fld id="{5DF8562A-DB90-47B1-BD93-6F7A02E5E0B0}" type="datetimeFigureOut">
               <a:rPr lang="en-US" smtClean="0"/>
-              <a:t>4/16/22</a:t>
+              <a:t>4/19/22</a:t>
             </a:fld>
             <a:endParaRPr lang="en-US"/>
           </a:p>
@@ -3632,7 +4142,7 @@
           <a:p>
             <a:fld id="{5DF8562A-DB90-47B1-BD93-6F7A02E5E0B0}" type="datetimeFigureOut">
               <a:rPr lang="en-US" smtClean="0"/>
-              <a:t>4/16/22</a:t>
+              <a:t>4/19/22</a:t>
             </a:fld>
             <a:endParaRPr lang="en-US"/>
           </a:p>
@@ -3802,7 +4312,7 @@
           <a:p>
             <a:fld id="{5DF8562A-DB90-47B1-BD93-6F7A02E5E0B0}" type="datetimeFigureOut">
               <a:rPr lang="en-US" smtClean="0"/>
-              <a:t>4/16/22</a:t>
+              <a:t>4/19/22</a:t>
             </a:fld>
             <a:endParaRPr lang="en-US"/>
           </a:p>
@@ -4059,7 +4569,7 @@
           <a:p>
             <a:fld id="{5DF8562A-DB90-47B1-BD93-6F7A02E5E0B0}" type="datetimeFigureOut">
               <a:rPr lang="en-US" smtClean="0"/>
-              <a:t>4/16/22</a:t>
+              <a:t>4/19/22</a:t>
             </a:fld>
             <a:endParaRPr lang="en-US"/>
           </a:p>
@@ -4291,7 +4801,7 @@
           <a:p>
             <a:fld id="{5DF8562A-DB90-47B1-BD93-6F7A02E5E0B0}" type="datetimeFigureOut">
               <a:rPr lang="en-US" smtClean="0"/>
-              <a:t>4/16/22</a:t>
+              <a:t>4/19/22</a:t>
             </a:fld>
             <a:endParaRPr lang="en-US"/>
           </a:p>
@@ -4684,7 +5194,7 @@
           <a:p>
             <a:fld id="{5DF8562A-DB90-47B1-BD93-6F7A02E5E0B0}" type="datetimeFigureOut">
               <a:rPr lang="en-US" smtClean="0"/>
-              <a:t>4/16/22</a:t>
+              <a:t>4/19/22</a:t>
             </a:fld>
             <a:endParaRPr lang="en-US"/>
           </a:p>
@@ -4802,7 +5312,7 @@
           <a:p>
             <a:fld id="{5DF8562A-DB90-47B1-BD93-6F7A02E5E0B0}" type="datetimeFigureOut">
               <a:rPr lang="en-US" smtClean="0"/>
-              <a:t>4/16/22</a:t>
+              <a:t>4/19/22</a:t>
             </a:fld>
             <a:endParaRPr lang="en-US"/>
           </a:p>
@@ -4897,7 +5407,7 @@
           <a:p>
             <a:fld id="{5DF8562A-DB90-47B1-BD93-6F7A02E5E0B0}" type="datetimeFigureOut">
               <a:rPr lang="en-US" smtClean="0"/>
-              <a:t>4/16/22</a:t>
+              <a:t>4/19/22</a:t>
             </a:fld>
             <a:endParaRPr lang="en-US"/>
           </a:p>
@@ -5170,7 +5680,7 @@
           <a:p>
             <a:fld id="{5DF8562A-DB90-47B1-BD93-6F7A02E5E0B0}" type="datetimeFigureOut">
               <a:rPr lang="en-US" smtClean="0"/>
-              <a:t>4/16/22</a:t>
+              <a:t>4/19/22</a:t>
             </a:fld>
             <a:endParaRPr lang="en-US"/>
           </a:p>
@@ -5451,7 +5961,7 @@
           <a:p>
             <a:fld id="{5DF8562A-DB90-47B1-BD93-6F7A02E5E0B0}" type="datetimeFigureOut">
               <a:rPr lang="en-US" smtClean="0"/>
-              <a:t>4/16/22</a:t>
+              <a:t>4/19/22</a:t>
             </a:fld>
             <a:endParaRPr lang="en-US"/>
           </a:p>
@@ -5691,7 +6201,7 @@
           <a:p>
             <a:fld id="{5DF8562A-DB90-47B1-BD93-6F7A02E5E0B0}" type="datetimeFigureOut">
               <a:rPr lang="en-US" smtClean="0"/>
-              <a:t>4/16/22</a:t>
+              <a:t>4/19/22</a:t>
             </a:fld>
             <a:endParaRPr lang="en-US"/>
           </a:p>
@@ -6318,7 +6828,7 @@
         </p:nvSpPr>
         <p:spPr>
           <a:xfrm>
-            <a:off x="344714" y="147411"/>
+            <a:off x="344714" y="274638"/>
             <a:ext cx="10515600" cy="1325563"/>
           </a:xfrm>
         </p:spPr>
@@ -6337,29 +6847,6 @@
               </a:rPr>
               <a:t>Car Sales Data</a:t>
             </a:r>
-            <a:br>
-              <a:rPr lang="en-US" dirty="0">
-                <a:solidFill>
-                  <a:schemeClr val="bg1"/>
-                </a:solidFill>
-                <a:latin typeface="Century Gothic" panose="020B0502020202020204" pitchFamily="34" charset="0"/>
-              </a:rPr>
-            </a:br>
-            <a:r>
-              <a:rPr lang="en-US" sz="2400" dirty="0">
-                <a:solidFill>
-                  <a:schemeClr val="bg1"/>
-                </a:solidFill>
-                <a:latin typeface="Century Gothic" panose="020B0502020202020204" pitchFamily="34" charset="0"/>
-              </a:rPr>
-              <a:t>Using Mongo DB</a:t>
-            </a:r>
-            <a:endParaRPr lang="en-US" dirty="0">
-              <a:solidFill>
-                <a:schemeClr val="bg1"/>
-              </a:solidFill>
-              <a:latin typeface="Century Gothic" panose="020B0502020202020204" pitchFamily="34" charset="0"/>
-            </a:endParaRPr>
           </a:p>
         </p:txBody>
       </p:sp>
@@ -6442,31 +6929,6 @@
 <file path=ppt/slides/slide2.xml><?xml version="1.0" encoding="utf-8"?>
 <p:sld xmlns:a="http://schemas.openxmlformats.org/drawingml/2006/main" xmlns:r="http://schemas.openxmlformats.org/officeDocument/2006/relationships" xmlns:p="http://schemas.openxmlformats.org/presentationml/2006/main">
   <p:cSld>
-    <p:bg>
-      <p:bgPr>
-        <a:gradFill>
-          <a:gsLst>
-            <a:gs pos="0">
-              <a:srgbClr val="25829B"/>
-            </a:gs>
-            <a:gs pos="21000">
-              <a:srgbClr val="1A5574"/>
-            </a:gs>
-            <a:gs pos="75000">
-              <a:srgbClr val="081629"/>
-            </a:gs>
-            <a:gs pos="48000">
-              <a:srgbClr val="102B50"/>
-            </a:gs>
-            <a:gs pos="100000">
-              <a:schemeClr val="bg1"/>
-            </a:gs>
-          </a:gsLst>
-          <a:lin ang="16200000" scaled="0"/>
-        </a:gradFill>
-        <a:effectLst/>
-      </p:bgPr>
-    </p:bg>
     <p:spTree>
       <p:nvGrpSpPr>
         <p:cNvPr id="1" name=""/>
@@ -6504,7 +6966,7 @@
           <a:p>
             <a:r>
               <a:rPr lang="en-US" dirty="0"/>
-              <a:t>Stock Prediction Application</a:t>
+              <a:t>Car Listings Database</a:t>
             </a:r>
           </a:p>
         </p:txBody>
@@ -6539,64 +7001,921 @@
           <a:p>
             <a:r>
               <a:rPr lang="en-US" dirty="0"/>
-              <a:t>Yahoo Finance Data (</a:t>
-            </a:r>
-            <a:r>
-              <a:rPr lang="en-US" dirty="0" err="1"/>
-              <a:t>Webscraped</a:t>
-            </a:r>
+              <a:t>Uses Car Sales dataset</a:t>
+            </a:r>
+          </a:p>
+          <a:p>
             <a:r>
               <a:rPr lang="en-US" dirty="0"/>
-              <a:t>)</a:t>
+              <a:t>Keeps track of dealer’s current inventory and pricing</a:t>
             </a:r>
           </a:p>
           <a:p>
             <a:r>
               <a:rPr lang="en-US" dirty="0"/>
-              <a:t>Create prediction models </a:t>
+              <a:t>Allows for dealer to insert, delete, and edit listings in their database</a:t>
             </a:r>
           </a:p>
           <a:p>
             <a:r>
               <a:rPr lang="en-US" dirty="0"/>
-              <a:t>Use Python API and Docker to create application</a:t>
-            </a:r>
-          </a:p>
-          <a:p>
-            <a:pPr marL="0" indent="0">
-              <a:buNone/>
-            </a:pPr>
-            <a:endParaRPr lang="en-US" dirty="0"/>
-          </a:p>
-          <a:p>
-            <a:r>
-              <a:rPr lang="en-US" dirty="0"/>
-              <a:t>Application that allows user to choose stock and see predictions</a:t>
-            </a:r>
-          </a:p>
-          <a:p>
-            <a:endParaRPr lang="en-US" dirty="0"/>
-          </a:p>
-          <a:p>
-            <a:endParaRPr lang="en-US" dirty="0"/>
-          </a:p>
-          <a:p>
-            <a:r>
-              <a:rPr lang="en-US" dirty="0"/>
-              <a:t>Technology Used: Python API, Docker, </a:t>
-            </a:r>
-            <a:r>
-              <a:rPr lang="en-US" dirty="0" err="1"/>
-              <a:t>SKLearn</a:t>
-            </a:r>
-            <a:endParaRPr lang="en-US" dirty="0"/>
+              <a:t>Offers a filter of Manufacturing company to make data tracking easier</a:t>
+            </a:r>
           </a:p>
         </p:txBody>
       </p:sp>
     </p:spTree>
     <p:extLst>
       <p:ext uri="{BB962C8B-B14F-4D97-AF65-F5344CB8AC3E}">
-        <p14:creationId xmlns:p14="http://schemas.microsoft.com/office/powerpoint/2010/main" val="1103074230"/>
+        <p14:creationId xmlns:p14="http://schemas.microsoft.com/office/powerpoint/2010/main" val="2403586114"/>
+      </p:ext>
+    </p:extLst>
+  </p:cSld>
+  <p:clrMapOvr>
+    <a:masterClrMapping/>
+  </p:clrMapOvr>
+</p:sld>
+</file>
+
+<file path=ppt/slides/slide3.xml><?xml version="1.0" encoding="utf-8"?>
+<p:sld xmlns:a="http://schemas.openxmlformats.org/drawingml/2006/main" xmlns:r="http://schemas.openxmlformats.org/officeDocument/2006/relationships" xmlns:p="http://schemas.openxmlformats.org/presentationml/2006/main">
+  <p:cSld>
+    <p:spTree>
+      <p:nvGrpSpPr>
+        <p:cNvPr id="1" name=""/>
+        <p:cNvGrpSpPr/>
+        <p:nvPr/>
+      </p:nvGrpSpPr>
+      <p:grpSpPr>
+        <a:xfrm>
+          <a:off x="0" y="0"/>
+          <a:ext cx="0" cy="0"/>
+          <a:chOff x="0" y="0"/>
+          <a:chExt cx="0" cy="0"/>
+        </a:xfrm>
+      </p:grpSpPr>
+      <p:sp>
+        <p:nvSpPr>
+          <p:cNvPr id="2" name="Title 1">
+            <a:extLst>
+              <a:ext uri="{FF2B5EF4-FFF2-40B4-BE49-F238E27FC236}">
+                <a16:creationId xmlns:a16="http://schemas.microsoft.com/office/drawing/2014/main" id="{F96D7553-EE26-7143-8DD0-D881D8ADB439}"/>
+              </a:ext>
+            </a:extLst>
+          </p:cNvPr>
+          <p:cNvSpPr>
+            <a:spLocks noGrp="1"/>
+          </p:cNvSpPr>
+          <p:nvPr>
+            <p:ph type="title"/>
+          </p:nvPr>
+        </p:nvSpPr>
+        <p:spPr/>
+        <p:txBody>
+          <a:bodyPr/>
+          <a:lstStyle/>
+          <a:p>
+            <a:r>
+              <a:rPr lang="en-US" dirty="0"/>
+              <a:t>Data Used </a:t>
+            </a:r>
+          </a:p>
+        </p:txBody>
+      </p:sp>
+      <p:sp>
+        <p:nvSpPr>
+          <p:cNvPr id="3" name="Content Placeholder 2">
+            <a:extLst>
+              <a:ext uri="{FF2B5EF4-FFF2-40B4-BE49-F238E27FC236}">
+                <a16:creationId xmlns:a16="http://schemas.microsoft.com/office/drawing/2014/main" id="{2B0FE4E5-7456-E14B-8278-EDA6FD1B55FD}"/>
+              </a:ext>
+            </a:extLst>
+          </p:cNvPr>
+          <p:cNvSpPr>
+            <a:spLocks noGrp="1"/>
+          </p:cNvSpPr>
+          <p:nvPr>
+            <p:ph idx="1"/>
+          </p:nvPr>
+        </p:nvSpPr>
+        <p:spPr>
+          <a:xfrm>
+            <a:off x="1120000" y="1825625"/>
+            <a:ext cx="10233800" cy="4667250"/>
+          </a:xfrm>
+        </p:spPr>
+        <p:txBody>
+          <a:bodyPr>
+            <a:normAutofit/>
+          </a:bodyPr>
+          <a:lstStyle/>
+          <a:p>
+            <a:r>
+              <a:rPr lang="en-US" dirty="0"/>
+              <a:t>Car Sales Database</a:t>
+            </a:r>
+          </a:p>
+          <a:p>
+            <a:pPr marL="0" indent="0">
+              <a:buNone/>
+            </a:pPr>
+            <a:r>
+              <a:rPr lang="en-US" dirty="0"/>
+              <a:t>Fields:</a:t>
+            </a:r>
+          </a:p>
+          <a:p>
+            <a:pPr marL="457200" lvl="1" indent="0">
+              <a:buNone/>
+            </a:pPr>
+            <a:r>
+              <a:rPr lang="en-US" b="1" dirty="0"/>
+              <a:t>_id</a:t>
+            </a:r>
+            <a:r>
+              <a:rPr lang="en-US" dirty="0"/>
+              <a:t>: </a:t>
+            </a:r>
+            <a:r>
+              <a:rPr lang="en-US" dirty="0" err="1"/>
+              <a:t>ObjectId</a:t>
+            </a:r>
+            <a:endParaRPr lang="en-US" dirty="0"/>
+          </a:p>
+          <a:p>
+            <a:pPr marL="457200" lvl="1" indent="0">
+              <a:buNone/>
+            </a:pPr>
+            <a:r>
+              <a:rPr lang="en-US" sz="2400" b="1" dirty="0"/>
+              <a:t>	Manufacturer</a:t>
+            </a:r>
+            <a:r>
+              <a:rPr lang="en-US" sz="2400" dirty="0"/>
+              <a:t>: text</a:t>
+            </a:r>
+          </a:p>
+          <a:p>
+            <a:pPr marL="457200" lvl="1" indent="0">
+              <a:buNone/>
+            </a:pPr>
+            <a:r>
+              <a:rPr lang="en-US" sz="2400" dirty="0"/>
+              <a:t>	</a:t>
+            </a:r>
+            <a:r>
+              <a:rPr lang="en-US" sz="2400" b="1" dirty="0"/>
+              <a:t>Model</a:t>
+            </a:r>
+            <a:r>
+              <a:rPr lang="en-US" sz="2400" dirty="0"/>
+              <a:t>: text</a:t>
+            </a:r>
+          </a:p>
+          <a:p>
+            <a:pPr marL="914400" lvl="2" indent="0">
+              <a:buNone/>
+            </a:pPr>
+            <a:r>
+              <a:rPr lang="en-US" sz="2400" b="1" dirty="0" err="1"/>
+              <a:t>Resale_Value</a:t>
+            </a:r>
+            <a:r>
+              <a:rPr lang="en-US" sz="2400" dirty="0"/>
+              <a:t>: number</a:t>
+            </a:r>
+          </a:p>
+          <a:p>
+            <a:pPr marL="914400" lvl="2" indent="0">
+              <a:buNone/>
+            </a:pPr>
+            <a:r>
+              <a:rPr lang="en-US" sz="2400" b="1" dirty="0" err="1"/>
+              <a:t>Vehicle_Type</a:t>
+            </a:r>
+            <a:r>
+              <a:rPr lang="en-US" sz="2400" dirty="0"/>
+              <a:t>: text</a:t>
+            </a:r>
+          </a:p>
+          <a:p>
+            <a:pPr marL="914400" lvl="2" indent="0">
+              <a:buNone/>
+            </a:pPr>
+            <a:r>
+              <a:rPr lang="en-US" sz="2400" b="1" dirty="0" err="1"/>
+              <a:t>Listing_Price</a:t>
+            </a:r>
+            <a:r>
+              <a:rPr lang="en-US" sz="2400" dirty="0"/>
+              <a:t>: number</a:t>
+            </a:r>
+          </a:p>
+        </p:txBody>
+      </p:sp>
+      <p:pic>
+        <p:nvPicPr>
+          <p:cNvPr id="5" name="Picture 4" descr="Table&#10;&#10;Description automatically generated">
+            <a:extLst>
+              <a:ext uri="{FF2B5EF4-FFF2-40B4-BE49-F238E27FC236}">
+                <a16:creationId xmlns:a16="http://schemas.microsoft.com/office/drawing/2014/main" id="{D70DDA22-B479-CEF2-EBEF-02670CA8D903}"/>
+              </a:ext>
+            </a:extLst>
+          </p:cNvPr>
+          <p:cNvPicPr>
+            <a:picLocks noChangeAspect="1"/>
+          </p:cNvPicPr>
+          <p:nvPr/>
+        </p:nvPicPr>
+        <p:blipFill>
+          <a:blip r:embed="rId3">
+            <a:extLst>
+              <a:ext uri="{28A0092B-C50C-407E-A947-70E740481C1C}">
+                <a14:useLocalDpi xmlns:a14="http://schemas.microsoft.com/office/drawing/2010/main" val="0"/>
+              </a:ext>
+            </a:extLst>
+          </a:blip>
+          <a:stretch>
+            <a:fillRect/>
+          </a:stretch>
+        </p:blipFill>
+        <p:spPr>
+          <a:xfrm>
+            <a:off x="5540757" y="3338023"/>
+            <a:ext cx="6464695" cy="1642453"/>
+          </a:xfrm>
+          <a:prstGeom prst="rect">
+            <a:avLst/>
+          </a:prstGeom>
+        </p:spPr>
+      </p:pic>
+    </p:spTree>
+    <p:extLst>
+      <p:ext uri="{BB962C8B-B14F-4D97-AF65-F5344CB8AC3E}">
+        <p14:creationId xmlns:p14="http://schemas.microsoft.com/office/powerpoint/2010/main" val="2773526330"/>
+      </p:ext>
+    </p:extLst>
+  </p:cSld>
+  <p:clrMapOvr>
+    <a:masterClrMapping/>
+  </p:clrMapOvr>
+</p:sld>
+</file>
+
+<file path=ppt/slides/slide4.xml><?xml version="1.0" encoding="utf-8"?>
+<p:sld xmlns:a="http://schemas.openxmlformats.org/drawingml/2006/main" xmlns:r="http://schemas.openxmlformats.org/officeDocument/2006/relationships" xmlns:p="http://schemas.openxmlformats.org/presentationml/2006/main">
+  <p:cSld>
+    <p:spTree>
+      <p:nvGrpSpPr>
+        <p:cNvPr id="1" name=""/>
+        <p:cNvGrpSpPr/>
+        <p:nvPr/>
+      </p:nvGrpSpPr>
+      <p:grpSpPr>
+        <a:xfrm>
+          <a:off x="0" y="0"/>
+          <a:ext cx="0" cy="0"/>
+          <a:chOff x="0" y="0"/>
+          <a:chExt cx="0" cy="0"/>
+        </a:xfrm>
+      </p:grpSpPr>
+      <p:sp>
+        <p:nvSpPr>
+          <p:cNvPr id="2" name="Title 1">
+            <a:extLst>
+              <a:ext uri="{FF2B5EF4-FFF2-40B4-BE49-F238E27FC236}">
+                <a16:creationId xmlns:a16="http://schemas.microsoft.com/office/drawing/2014/main" id="{F96D7553-EE26-7143-8DD0-D881D8ADB439}"/>
+              </a:ext>
+            </a:extLst>
+          </p:cNvPr>
+          <p:cNvSpPr>
+            <a:spLocks noGrp="1"/>
+          </p:cNvSpPr>
+          <p:nvPr>
+            <p:ph type="title"/>
+          </p:nvPr>
+        </p:nvSpPr>
+        <p:spPr/>
+        <p:txBody>
+          <a:bodyPr/>
+          <a:lstStyle/>
+          <a:p>
+            <a:r>
+              <a:rPr lang="en-US" dirty="0"/>
+              <a:t>Mongo DB and Node JS</a:t>
+            </a:r>
+          </a:p>
+        </p:txBody>
+      </p:sp>
+      <p:sp>
+        <p:nvSpPr>
+          <p:cNvPr id="3" name="Content Placeholder 2">
+            <a:extLst>
+              <a:ext uri="{FF2B5EF4-FFF2-40B4-BE49-F238E27FC236}">
+                <a16:creationId xmlns:a16="http://schemas.microsoft.com/office/drawing/2014/main" id="{2B0FE4E5-7456-E14B-8278-EDA6FD1B55FD}"/>
+              </a:ext>
+            </a:extLst>
+          </p:cNvPr>
+          <p:cNvSpPr>
+            <a:spLocks noGrp="1"/>
+          </p:cNvSpPr>
+          <p:nvPr>
+            <p:ph idx="1"/>
+          </p:nvPr>
+        </p:nvSpPr>
+        <p:spPr>
+          <a:xfrm>
+            <a:off x="1120000" y="1825625"/>
+            <a:ext cx="10233800" cy="4667250"/>
+          </a:xfrm>
+        </p:spPr>
+        <p:txBody>
+          <a:bodyPr>
+            <a:normAutofit/>
+          </a:bodyPr>
+          <a:lstStyle/>
+          <a:p>
+            <a:r>
+              <a:rPr lang="en-US" dirty="0"/>
+              <a:t>Mongo DB used to store data</a:t>
+            </a:r>
+          </a:p>
+          <a:p>
+            <a:pPr lvl="1"/>
+            <a:r>
+              <a:rPr lang="en-US" dirty="0"/>
+              <a:t>Stores each car in the inventory as a document</a:t>
+            </a:r>
+          </a:p>
+          <a:p>
+            <a:pPr lvl="1"/>
+            <a:r>
+              <a:rPr lang="en-US" dirty="0"/>
+              <a:t>Allows for insertion, edits, deletion and aggregation of data</a:t>
+            </a:r>
+          </a:p>
+          <a:p>
+            <a:pPr marL="457200" lvl="1" indent="0">
+              <a:buNone/>
+            </a:pPr>
+            <a:endParaRPr lang="en-US" dirty="0"/>
+          </a:p>
+          <a:p>
+            <a:r>
+              <a:rPr lang="en-US" dirty="0"/>
+              <a:t>Why Mongo DB?</a:t>
+            </a:r>
+          </a:p>
+          <a:p>
+            <a:pPr lvl="1"/>
+            <a:r>
+              <a:rPr lang="en-US" dirty="0"/>
+              <a:t>Allows for huge volumes of data, so a dealer can use it for very large storage solutions</a:t>
+            </a:r>
+          </a:p>
+          <a:p>
+            <a:pPr lvl="1"/>
+            <a:r>
+              <a:rPr lang="en-US" dirty="0"/>
+              <a:t>Has different options for viewing data (including an online version) that allow several team members to read and edit the data simultaneously</a:t>
+            </a:r>
+          </a:p>
+          <a:p>
+            <a:pPr marL="0" indent="0">
+              <a:buNone/>
+            </a:pPr>
+            <a:endParaRPr lang="en-US" dirty="0"/>
+          </a:p>
+        </p:txBody>
+      </p:sp>
+    </p:spTree>
+    <p:extLst>
+      <p:ext uri="{BB962C8B-B14F-4D97-AF65-F5344CB8AC3E}">
+        <p14:creationId xmlns:p14="http://schemas.microsoft.com/office/powerpoint/2010/main" val="2858476158"/>
+      </p:ext>
+    </p:extLst>
+  </p:cSld>
+  <p:clrMapOvr>
+    <a:masterClrMapping/>
+  </p:clrMapOvr>
+</p:sld>
+</file>
+
+<file path=ppt/slides/slide5.xml><?xml version="1.0" encoding="utf-8"?>
+<p:sld xmlns:a="http://schemas.openxmlformats.org/drawingml/2006/main" xmlns:r="http://schemas.openxmlformats.org/officeDocument/2006/relationships" xmlns:p="http://schemas.openxmlformats.org/presentationml/2006/main">
+  <p:cSld>
+    <p:spTree>
+      <p:nvGrpSpPr>
+        <p:cNvPr id="1" name=""/>
+        <p:cNvGrpSpPr/>
+        <p:nvPr/>
+      </p:nvGrpSpPr>
+      <p:grpSpPr>
+        <a:xfrm>
+          <a:off x="0" y="0"/>
+          <a:ext cx="0" cy="0"/>
+          <a:chOff x="0" y="0"/>
+          <a:chExt cx="0" cy="0"/>
+        </a:xfrm>
+      </p:grpSpPr>
+      <p:sp>
+        <p:nvSpPr>
+          <p:cNvPr id="2" name="Title 1">
+            <a:extLst>
+              <a:ext uri="{FF2B5EF4-FFF2-40B4-BE49-F238E27FC236}">
+                <a16:creationId xmlns:a16="http://schemas.microsoft.com/office/drawing/2014/main" id="{F96D7553-EE26-7143-8DD0-D881D8ADB439}"/>
+              </a:ext>
+            </a:extLst>
+          </p:cNvPr>
+          <p:cNvSpPr>
+            <a:spLocks noGrp="1"/>
+          </p:cNvSpPr>
+          <p:nvPr>
+            <p:ph type="title"/>
+          </p:nvPr>
+        </p:nvSpPr>
+        <p:spPr/>
+        <p:txBody>
+          <a:bodyPr/>
+          <a:lstStyle/>
+          <a:p>
+            <a:r>
+              <a:rPr lang="en-US" dirty="0"/>
+              <a:t>Mongo DB and Node JS</a:t>
+            </a:r>
+          </a:p>
+        </p:txBody>
+      </p:sp>
+      <p:sp>
+        <p:nvSpPr>
+          <p:cNvPr id="3" name="Content Placeholder 2">
+            <a:extLst>
+              <a:ext uri="{FF2B5EF4-FFF2-40B4-BE49-F238E27FC236}">
+                <a16:creationId xmlns:a16="http://schemas.microsoft.com/office/drawing/2014/main" id="{2B0FE4E5-7456-E14B-8278-EDA6FD1B55FD}"/>
+              </a:ext>
+            </a:extLst>
+          </p:cNvPr>
+          <p:cNvSpPr>
+            <a:spLocks noGrp="1"/>
+          </p:cNvSpPr>
+          <p:nvPr>
+            <p:ph idx="1"/>
+          </p:nvPr>
+        </p:nvSpPr>
+        <p:spPr>
+          <a:xfrm>
+            <a:off x="1120000" y="1825625"/>
+            <a:ext cx="10233800" cy="3698353"/>
+          </a:xfrm>
+        </p:spPr>
+        <p:txBody>
+          <a:bodyPr>
+            <a:normAutofit/>
+          </a:bodyPr>
+          <a:lstStyle/>
+          <a:p>
+            <a:r>
+              <a:rPr lang="en-US" dirty="0"/>
+              <a:t>Node JS used to work in JavaScript</a:t>
+            </a:r>
+          </a:p>
+          <a:p>
+            <a:pPr lvl="1"/>
+            <a:r>
+              <a:rPr lang="en-US" dirty="0"/>
+              <a:t>Allows for the data to be viewed in a more presentable format</a:t>
+            </a:r>
+          </a:p>
+          <a:p>
+            <a:pPr lvl="2"/>
+            <a:r>
+              <a:rPr lang="en-US" dirty="0"/>
+              <a:t>Incorporates HTML and CSS </a:t>
+            </a:r>
+          </a:p>
+          <a:p>
+            <a:pPr lvl="1"/>
+            <a:r>
+              <a:rPr lang="en-US" dirty="0"/>
+              <a:t>More user friendly to keep track of the data in MongoDB</a:t>
+            </a:r>
+          </a:p>
+          <a:p>
+            <a:pPr marL="0" indent="0">
+              <a:buNone/>
+            </a:pPr>
+            <a:endParaRPr lang="en-US" dirty="0"/>
+          </a:p>
+        </p:txBody>
+      </p:sp>
+    </p:spTree>
+    <p:extLst>
+      <p:ext uri="{BB962C8B-B14F-4D97-AF65-F5344CB8AC3E}">
+        <p14:creationId xmlns:p14="http://schemas.microsoft.com/office/powerpoint/2010/main" val="778119576"/>
+      </p:ext>
+    </p:extLst>
+  </p:cSld>
+  <p:clrMapOvr>
+    <a:masterClrMapping/>
+  </p:clrMapOvr>
+</p:sld>
+</file>
+
+<file path=ppt/slides/slide6.xml><?xml version="1.0" encoding="utf-8"?>
+<p:sld xmlns:a="http://schemas.openxmlformats.org/drawingml/2006/main" xmlns:r="http://schemas.openxmlformats.org/officeDocument/2006/relationships" xmlns:p="http://schemas.openxmlformats.org/presentationml/2006/main">
+  <p:cSld>
+    <p:spTree>
+      <p:nvGrpSpPr>
+        <p:cNvPr id="1" name=""/>
+        <p:cNvGrpSpPr/>
+        <p:nvPr/>
+      </p:nvGrpSpPr>
+      <p:grpSpPr>
+        <a:xfrm>
+          <a:off x="0" y="0"/>
+          <a:ext cx="0" cy="0"/>
+          <a:chOff x="0" y="0"/>
+          <a:chExt cx="0" cy="0"/>
+        </a:xfrm>
+      </p:grpSpPr>
+      <p:sp>
+        <p:nvSpPr>
+          <p:cNvPr id="2" name="Title 1">
+            <a:extLst>
+              <a:ext uri="{FF2B5EF4-FFF2-40B4-BE49-F238E27FC236}">
+                <a16:creationId xmlns:a16="http://schemas.microsoft.com/office/drawing/2014/main" id="{F96D7553-EE26-7143-8DD0-D881D8ADB439}"/>
+              </a:ext>
+            </a:extLst>
+          </p:cNvPr>
+          <p:cNvSpPr>
+            <a:spLocks noGrp="1"/>
+          </p:cNvSpPr>
+          <p:nvPr>
+            <p:ph type="title"/>
+          </p:nvPr>
+        </p:nvSpPr>
+        <p:spPr/>
+        <p:txBody>
+          <a:bodyPr/>
+          <a:lstStyle/>
+          <a:p>
+            <a:r>
+              <a:rPr lang="en-US" dirty="0"/>
+              <a:t>Team Contributions	</a:t>
+            </a:r>
+          </a:p>
+        </p:txBody>
+      </p:sp>
+      <p:sp>
+        <p:nvSpPr>
+          <p:cNvPr id="3" name="Content Placeholder 2">
+            <a:extLst>
+              <a:ext uri="{FF2B5EF4-FFF2-40B4-BE49-F238E27FC236}">
+                <a16:creationId xmlns:a16="http://schemas.microsoft.com/office/drawing/2014/main" id="{2B0FE4E5-7456-E14B-8278-EDA6FD1B55FD}"/>
+              </a:ext>
+            </a:extLst>
+          </p:cNvPr>
+          <p:cNvSpPr>
+            <a:spLocks noGrp="1"/>
+          </p:cNvSpPr>
+          <p:nvPr>
+            <p:ph idx="1"/>
+          </p:nvPr>
+        </p:nvSpPr>
+        <p:spPr>
+          <a:xfrm>
+            <a:off x="1120000" y="1825625"/>
+            <a:ext cx="10233800" cy="4667250"/>
+          </a:xfrm>
+        </p:spPr>
+        <p:txBody>
+          <a:bodyPr>
+            <a:normAutofit/>
+          </a:bodyPr>
+          <a:lstStyle/>
+          <a:p>
+            <a:r>
+              <a:rPr lang="en-US" dirty="0"/>
+              <a:t>Priya:</a:t>
+            </a:r>
+          </a:p>
+          <a:p>
+            <a:pPr lvl="1"/>
+            <a:r>
+              <a:rPr lang="en-US" dirty="0"/>
+              <a:t>Data Import</a:t>
+            </a:r>
+          </a:p>
+          <a:p>
+            <a:pPr lvl="1"/>
+            <a:r>
+              <a:rPr lang="en-US" dirty="0"/>
+              <a:t>Mongo and Node JS set up and Integration</a:t>
+            </a:r>
+          </a:p>
+          <a:p>
+            <a:pPr lvl="1"/>
+            <a:r>
+              <a:rPr lang="en-US" dirty="0"/>
+              <a:t>Creation of CRUD operations in JavaScript</a:t>
+            </a:r>
+          </a:p>
+          <a:p>
+            <a:pPr lvl="1"/>
+            <a:r>
+              <a:rPr lang="en-US" dirty="0"/>
+              <a:t>Creation of initial website format </a:t>
+            </a:r>
+          </a:p>
+          <a:p>
+            <a:pPr lvl="1"/>
+            <a:endParaRPr lang="en-US" dirty="0"/>
+          </a:p>
+          <a:p>
+            <a:r>
+              <a:rPr lang="en-US" dirty="0"/>
+              <a:t>Karolina:</a:t>
+            </a:r>
+          </a:p>
+          <a:p>
+            <a:pPr lvl="1"/>
+            <a:r>
+              <a:rPr lang="en-US" dirty="0"/>
+              <a:t>Data clean up </a:t>
+            </a:r>
+          </a:p>
+          <a:p>
+            <a:pPr lvl="1"/>
+            <a:r>
+              <a:rPr lang="en-US" dirty="0"/>
+              <a:t>Website organization </a:t>
+            </a:r>
+          </a:p>
+          <a:p>
+            <a:pPr lvl="1"/>
+            <a:r>
+              <a:rPr lang="en-US" dirty="0"/>
+              <a:t>Aggregation function</a:t>
+            </a:r>
+          </a:p>
+          <a:p>
+            <a:endParaRPr lang="en-US" dirty="0"/>
+          </a:p>
+        </p:txBody>
+      </p:sp>
+    </p:spTree>
+    <p:extLst>
+      <p:ext uri="{BB962C8B-B14F-4D97-AF65-F5344CB8AC3E}">
+        <p14:creationId xmlns:p14="http://schemas.microsoft.com/office/powerpoint/2010/main" val="2845812606"/>
+      </p:ext>
+    </p:extLst>
+  </p:cSld>
+  <p:clrMapOvr>
+    <a:masterClrMapping/>
+  </p:clrMapOvr>
+</p:sld>
+</file>
+
+<file path=ppt/slides/slide7.xml><?xml version="1.0" encoding="utf-8"?>
+<p:sld xmlns:a="http://schemas.openxmlformats.org/drawingml/2006/main" xmlns:r="http://schemas.openxmlformats.org/officeDocument/2006/relationships" xmlns:p="http://schemas.openxmlformats.org/presentationml/2006/main">
+  <p:cSld>
+    <p:spTree>
+      <p:nvGrpSpPr>
+        <p:cNvPr id="1" name=""/>
+        <p:cNvGrpSpPr/>
+        <p:nvPr/>
+      </p:nvGrpSpPr>
+      <p:grpSpPr>
+        <a:xfrm>
+          <a:off x="0" y="0"/>
+          <a:ext cx="0" cy="0"/>
+          <a:chOff x="0" y="0"/>
+          <a:chExt cx="0" cy="0"/>
+        </a:xfrm>
+      </p:grpSpPr>
+      <p:sp>
+        <p:nvSpPr>
+          <p:cNvPr id="2" name="Title 1">
+            <a:extLst>
+              <a:ext uri="{FF2B5EF4-FFF2-40B4-BE49-F238E27FC236}">
+                <a16:creationId xmlns:a16="http://schemas.microsoft.com/office/drawing/2014/main" id="{F96D7553-EE26-7143-8DD0-D881D8ADB439}"/>
+              </a:ext>
+            </a:extLst>
+          </p:cNvPr>
+          <p:cNvSpPr>
+            <a:spLocks noGrp="1"/>
+          </p:cNvSpPr>
+          <p:nvPr>
+            <p:ph type="title"/>
+          </p:nvPr>
+        </p:nvSpPr>
+        <p:spPr/>
+        <p:txBody>
+          <a:bodyPr/>
+          <a:lstStyle/>
+          <a:p>
+            <a:r>
+              <a:rPr lang="en-US" dirty="0"/>
+              <a:t>Demonstration</a:t>
+            </a:r>
+          </a:p>
+        </p:txBody>
+      </p:sp>
+    </p:spTree>
+    <p:extLst>
+      <p:ext uri="{BB962C8B-B14F-4D97-AF65-F5344CB8AC3E}">
+        <p14:creationId xmlns:p14="http://schemas.microsoft.com/office/powerpoint/2010/main" val="3828148176"/>
+      </p:ext>
+    </p:extLst>
+  </p:cSld>
+  <p:clrMapOvr>
+    <a:masterClrMapping/>
+  </p:clrMapOvr>
+</p:sld>
+</file>
+
+<file path=ppt/slides/slide8.xml><?xml version="1.0" encoding="utf-8"?>
+<p:sld xmlns:a="http://schemas.openxmlformats.org/drawingml/2006/main" xmlns:r="http://schemas.openxmlformats.org/officeDocument/2006/relationships" xmlns:p="http://schemas.openxmlformats.org/presentationml/2006/main">
+  <p:cSld>
+    <p:spTree>
+      <p:nvGrpSpPr>
+        <p:cNvPr id="1" name=""/>
+        <p:cNvGrpSpPr/>
+        <p:nvPr/>
+      </p:nvGrpSpPr>
+      <p:grpSpPr>
+        <a:xfrm>
+          <a:off x="0" y="0"/>
+          <a:ext cx="0" cy="0"/>
+          <a:chOff x="0" y="0"/>
+          <a:chExt cx="0" cy="0"/>
+        </a:xfrm>
+      </p:grpSpPr>
+      <p:sp>
+        <p:nvSpPr>
+          <p:cNvPr id="2" name="Title 1">
+            <a:extLst>
+              <a:ext uri="{FF2B5EF4-FFF2-40B4-BE49-F238E27FC236}">
+                <a16:creationId xmlns:a16="http://schemas.microsoft.com/office/drawing/2014/main" id="{F96D7553-EE26-7143-8DD0-D881D8ADB439}"/>
+              </a:ext>
+            </a:extLst>
+          </p:cNvPr>
+          <p:cNvSpPr>
+            <a:spLocks noGrp="1"/>
+          </p:cNvSpPr>
+          <p:nvPr>
+            <p:ph type="title"/>
+          </p:nvPr>
+        </p:nvSpPr>
+        <p:spPr/>
+        <p:txBody>
+          <a:bodyPr/>
+          <a:lstStyle/>
+          <a:p>
+            <a:r>
+              <a:rPr lang="en-US" dirty="0"/>
+              <a:t>References </a:t>
+            </a:r>
+          </a:p>
+        </p:txBody>
+      </p:sp>
+      <p:sp>
+        <p:nvSpPr>
+          <p:cNvPr id="3" name="Content Placeholder 2">
+            <a:extLst>
+              <a:ext uri="{FF2B5EF4-FFF2-40B4-BE49-F238E27FC236}">
+                <a16:creationId xmlns:a16="http://schemas.microsoft.com/office/drawing/2014/main" id="{6CE5CEA5-6028-DD69-D428-E36A81BFBA98}"/>
+              </a:ext>
+            </a:extLst>
+          </p:cNvPr>
+          <p:cNvSpPr>
+            <a:spLocks noGrp="1"/>
+          </p:cNvSpPr>
+          <p:nvPr>
+            <p:ph idx="1"/>
+          </p:nvPr>
+        </p:nvSpPr>
+        <p:spPr>
+          <a:xfrm>
+            <a:off x="1120000" y="1825625"/>
+            <a:ext cx="10233800" cy="4667250"/>
+          </a:xfrm>
+        </p:spPr>
+        <p:txBody>
+          <a:bodyPr>
+            <a:normAutofit/>
+          </a:bodyPr>
+          <a:lstStyle/>
+          <a:p>
+            <a:r>
+              <a:rPr lang="en-US" dirty="0"/>
+              <a:t>Chand, S. (2021, November 30). </a:t>
+            </a:r>
+            <a:r>
+              <a:rPr lang="en-US" i="1" dirty="0"/>
+              <a:t>Node.js </a:t>
+            </a:r>
+            <a:r>
+              <a:rPr lang="en-US" i="1" dirty="0" err="1"/>
+              <a:t>mongodb</a:t>
+            </a:r>
+            <a:r>
+              <a:rPr lang="en-US" i="1" dirty="0"/>
+              <a:t> tutorial - how to build crud application</a:t>
+            </a:r>
+            <a:r>
+              <a:rPr lang="en-US" dirty="0"/>
+              <a:t>. </a:t>
+            </a:r>
+            <a:r>
+              <a:rPr lang="en-US" dirty="0" err="1"/>
+              <a:t>Edureka</a:t>
+            </a:r>
+            <a:r>
+              <a:rPr lang="en-US" dirty="0"/>
+              <a:t>. Retrieved April 19, 2022, from https://</a:t>
+            </a:r>
+            <a:r>
+              <a:rPr lang="en-US" dirty="0" err="1"/>
+              <a:t>www.edureka.co</a:t>
+            </a:r>
+            <a:r>
+              <a:rPr lang="en-US" dirty="0"/>
+              <a:t>/blog/node-</a:t>
+            </a:r>
+            <a:r>
+              <a:rPr lang="en-US" dirty="0" err="1"/>
+              <a:t>js</a:t>
+            </a:r>
+            <a:r>
+              <a:rPr lang="en-US" dirty="0"/>
+              <a:t>-</a:t>
+            </a:r>
+            <a:r>
+              <a:rPr lang="en-US" dirty="0" err="1"/>
+              <a:t>mongodb</a:t>
+            </a:r>
+            <a:r>
+              <a:rPr lang="en-US" dirty="0"/>
+              <a:t>-tutorial/ </a:t>
+            </a:r>
+          </a:p>
+          <a:p>
+            <a:r>
+              <a:rPr lang="en-US" dirty="0" err="1"/>
+              <a:t>GaganBhatia</a:t>
+            </a:r>
+            <a:r>
+              <a:rPr lang="en-US" dirty="0"/>
+              <a:t>. (2017, October 26). </a:t>
+            </a:r>
+            <a:r>
+              <a:rPr lang="en-US" i="1" dirty="0"/>
+              <a:t>Car sales</a:t>
+            </a:r>
+            <a:r>
+              <a:rPr lang="en-US" dirty="0"/>
+              <a:t>. Kaggle. Retrieved April 19, 2022, from https://</a:t>
+            </a:r>
+            <a:r>
+              <a:rPr lang="en-US" dirty="0" err="1"/>
+              <a:t>www.kaggle.com</a:t>
+            </a:r>
+            <a:r>
+              <a:rPr lang="en-US" dirty="0"/>
+              <a:t>/datasets/gagandeep16/car-sales </a:t>
+            </a:r>
+          </a:p>
+          <a:p>
+            <a:r>
+              <a:rPr lang="en-US" i="1" dirty="0"/>
+              <a:t>HTML styles - CSS</a:t>
+            </a:r>
+            <a:r>
+              <a:rPr lang="en-US" dirty="0"/>
+              <a:t>. HTML Styles CSS. (n.d.). Retrieved April 19, 2022, from https://www.w3schools.com/html/</a:t>
+            </a:r>
+            <a:r>
+              <a:rPr lang="en-US" dirty="0" err="1"/>
+              <a:t>html_css.asp</a:t>
+            </a:r>
+            <a:r>
+              <a:rPr lang="en-US" dirty="0"/>
+              <a:t> </a:t>
+            </a:r>
+          </a:p>
+          <a:p>
+            <a:pPr marL="0" indent="0">
+              <a:buNone/>
+            </a:pPr>
+            <a:endParaRPr lang="en-US" dirty="0"/>
+          </a:p>
+        </p:txBody>
+      </p:sp>
+    </p:spTree>
+    <p:extLst>
+      <p:ext uri="{BB962C8B-B14F-4D97-AF65-F5344CB8AC3E}">
+        <p14:creationId xmlns:p14="http://schemas.microsoft.com/office/powerpoint/2010/main" val="4180979035"/>
       </p:ext>
     </p:extLst>
   </p:cSld>
